--- a/Loan Classification Power Point (2).pptx
+++ b/Loan Classification Power Point (2).pptx
@@ -7797,8 +7797,8 @@
         </p:blipFill>
         <p:spPr bwMode="auto">
           <a:xfrm>
-            <a:off x="641604" y="2438400"/>
-            <a:ext cx="3341037" cy="1671243"/>
+            <a:off x="641604" y="2376502"/>
+            <a:ext cx="3341037" cy="1733142"/>
           </a:xfrm>
           <a:prstGeom prst="rect">
             <a:avLst/>
@@ -7891,8 +7891,8 @@
         </p:blipFill>
         <p:spPr bwMode="auto">
           <a:xfrm>
-            <a:off x="641605" y="555264"/>
-            <a:ext cx="3341036" cy="1883136"/>
+            <a:off x="629550" y="617167"/>
+            <a:ext cx="3341036" cy="1750605"/>
           </a:xfrm>
           <a:prstGeom prst="rect">
             <a:avLst/>
